--- a/рубеж 3/презы/регистр хранения.pptx
+++ b/рубеж 3/презы/регистр хранения.pptx
@@ -253,7 +253,7 @@
           <a:p>
             <a:fld id="{60537E79-6A10-4456-ACD7-D12AD53545C1}" type="datetimeFigureOut">
               <a:rPr lang="ru-RU" smtClean="0"/>
-              <a:t>09.05.2021</a:t>
+              <a:t>12.05.2021</a:t>
             </a:fld>
             <a:endParaRPr lang="ru-RU"/>
           </a:p>
@@ -423,7 +423,7 @@
           <a:p>
             <a:fld id="{60537E79-6A10-4456-ACD7-D12AD53545C1}" type="datetimeFigureOut">
               <a:rPr lang="ru-RU" smtClean="0"/>
-              <a:t>09.05.2021</a:t>
+              <a:t>12.05.2021</a:t>
             </a:fld>
             <a:endParaRPr lang="ru-RU"/>
           </a:p>
@@ -603,7 +603,7 @@
           <a:p>
             <a:fld id="{60537E79-6A10-4456-ACD7-D12AD53545C1}" type="datetimeFigureOut">
               <a:rPr lang="ru-RU" smtClean="0"/>
-              <a:t>09.05.2021</a:t>
+              <a:t>12.05.2021</a:t>
             </a:fld>
             <a:endParaRPr lang="ru-RU"/>
           </a:p>
@@ -773,7 +773,7 @@
           <a:p>
             <a:fld id="{60537E79-6A10-4456-ACD7-D12AD53545C1}" type="datetimeFigureOut">
               <a:rPr lang="ru-RU" smtClean="0"/>
-              <a:t>09.05.2021</a:t>
+              <a:t>12.05.2021</a:t>
             </a:fld>
             <a:endParaRPr lang="ru-RU"/>
           </a:p>
@@ -1019,7 +1019,7 @@
           <a:p>
             <a:fld id="{60537E79-6A10-4456-ACD7-D12AD53545C1}" type="datetimeFigureOut">
               <a:rPr lang="ru-RU" smtClean="0"/>
-              <a:t>09.05.2021</a:t>
+              <a:t>12.05.2021</a:t>
             </a:fld>
             <a:endParaRPr lang="ru-RU"/>
           </a:p>
@@ -1251,7 +1251,7 @@
           <a:p>
             <a:fld id="{60537E79-6A10-4456-ACD7-D12AD53545C1}" type="datetimeFigureOut">
               <a:rPr lang="ru-RU" smtClean="0"/>
-              <a:t>09.05.2021</a:t>
+              <a:t>12.05.2021</a:t>
             </a:fld>
             <a:endParaRPr lang="ru-RU"/>
           </a:p>
@@ -1618,7 +1618,7 @@
           <a:p>
             <a:fld id="{60537E79-6A10-4456-ACD7-D12AD53545C1}" type="datetimeFigureOut">
               <a:rPr lang="ru-RU" smtClean="0"/>
-              <a:t>09.05.2021</a:t>
+              <a:t>12.05.2021</a:t>
             </a:fld>
             <a:endParaRPr lang="ru-RU"/>
           </a:p>
@@ -1736,7 +1736,7 @@
           <a:p>
             <a:fld id="{60537E79-6A10-4456-ACD7-D12AD53545C1}" type="datetimeFigureOut">
               <a:rPr lang="ru-RU" smtClean="0"/>
-              <a:t>09.05.2021</a:t>
+              <a:t>12.05.2021</a:t>
             </a:fld>
             <a:endParaRPr lang="ru-RU"/>
           </a:p>
@@ -1831,7 +1831,7 @@
           <a:p>
             <a:fld id="{60537E79-6A10-4456-ACD7-D12AD53545C1}" type="datetimeFigureOut">
               <a:rPr lang="ru-RU" smtClean="0"/>
-              <a:t>09.05.2021</a:t>
+              <a:t>12.05.2021</a:t>
             </a:fld>
             <a:endParaRPr lang="ru-RU"/>
           </a:p>
@@ -2108,7 +2108,7 @@
           <a:p>
             <a:fld id="{60537E79-6A10-4456-ACD7-D12AD53545C1}" type="datetimeFigureOut">
               <a:rPr lang="ru-RU" smtClean="0"/>
-              <a:t>09.05.2021</a:t>
+              <a:t>12.05.2021</a:t>
             </a:fld>
             <a:endParaRPr lang="ru-RU"/>
           </a:p>
@@ -2361,7 +2361,7 @@
           <a:p>
             <a:fld id="{60537E79-6A10-4456-ACD7-D12AD53545C1}" type="datetimeFigureOut">
               <a:rPr lang="ru-RU" smtClean="0"/>
-              <a:t>09.05.2021</a:t>
+              <a:t>12.05.2021</a:t>
             </a:fld>
             <a:endParaRPr lang="ru-RU"/>
           </a:p>
@@ -2574,7 +2574,7 @@
           <a:p>
             <a:fld id="{60537E79-6A10-4456-ACD7-D12AD53545C1}" type="datetimeFigureOut">
               <a:rPr lang="ru-RU" smtClean="0"/>
-              <a:t>09.05.2021</a:t>
+              <a:t>12.05.2021</a:t>
             </a:fld>
             <a:endParaRPr lang="ru-RU"/>
           </a:p>
